--- a/javaTutoring/first/1st_material.pptx
+++ b/javaTutoring/first/1st_material.pptx
@@ -5,7 +5,7 @@
     <p:sldMasterId id="2147483648" r:id="rId1"/>
   </p:sldMasterIdLst>
   <p:notesMasterIdLst>
-    <p:notesMasterId r:id="rId17"/>
+    <p:notesMasterId r:id="rId18"/>
   </p:notesMasterIdLst>
   <p:sldIdLst>
     <p:sldId id="256" r:id="rId2"/>
@@ -19,10 +19,11 @@
     <p:sldId id="264" r:id="rId10"/>
     <p:sldId id="265" r:id="rId11"/>
     <p:sldId id="267" r:id="rId12"/>
-    <p:sldId id="268" r:id="rId13"/>
-    <p:sldId id="269" r:id="rId14"/>
-    <p:sldId id="270" r:id="rId15"/>
-    <p:sldId id="266" r:id="rId16"/>
+    <p:sldId id="271" r:id="rId13"/>
+    <p:sldId id="268" r:id="rId14"/>
+    <p:sldId id="269" r:id="rId15"/>
+    <p:sldId id="270" r:id="rId16"/>
+    <p:sldId id="266" r:id="rId17"/>
   </p:sldIdLst>
   <p:sldSz cx="12192000" cy="6858000"/>
   <p:notesSz cx="6858000" cy="9144000"/>
@@ -211,7 +212,7 @@
           <a:p>
             <a:fld id="{97FDC5E1-EC77-445D-B5E1-54D8DF5D94E6}" type="datetimeFigureOut">
               <a:rPr lang="ko-KR" altLang="en-US" smtClean="0"/>
-              <a:t>2020-07-03</a:t>
+              <a:t>2020-07-04</a:t>
             </a:fld>
             <a:endParaRPr lang="ko-KR" altLang="en-US"/>
           </a:p>
@@ -522,124 +523,6 @@
           <a:bodyPr/>
           <a:lstStyle/>
           <a:p>
-            <a:r>
-              <a:rPr lang="en-US" altLang="ko-KR" dirty="0" err="1"/>
-              <a:t>Jvm</a:t>
-            </a:r>
-            <a:r>
-              <a:rPr lang="en-US" altLang="ko-KR" dirty="0"/>
-              <a:t> </a:t>
-            </a:r>
-            <a:r>
-              <a:rPr lang="ko-KR" altLang="en-US" sz="1200" b="0" i="0" kern="1200" dirty="0">
-                <a:solidFill>
-                  <a:schemeClr val="tx1"/>
-                </a:solidFill>
-                <a:effectLst/>
-                <a:latin typeface="+mn-lt"/>
-                <a:ea typeface="+mn-ea"/>
-                <a:cs typeface="+mn-cs"/>
-              </a:rPr>
-              <a:t> 자바 가상머신</a:t>
-            </a:r>
-            <a:r>
-              <a:rPr lang="en-US" altLang="ko-KR" sz="1200" b="0" i="0" kern="1200" dirty="0">
-                <a:solidFill>
-                  <a:schemeClr val="tx1"/>
-                </a:solidFill>
-                <a:effectLst/>
-                <a:latin typeface="+mn-lt"/>
-                <a:ea typeface="+mn-ea"/>
-                <a:cs typeface="+mn-cs"/>
-              </a:rPr>
-              <a:t>(Java Virtual Machine)</a:t>
-            </a:r>
-            <a:r>
-              <a:rPr lang="ko-KR" altLang="en-US" sz="1200" b="0" i="0" kern="1200" dirty="0">
-                <a:solidFill>
-                  <a:schemeClr val="tx1"/>
-                </a:solidFill>
-                <a:effectLst/>
-                <a:latin typeface="+mn-lt"/>
-                <a:ea typeface="+mn-ea"/>
-                <a:cs typeface="+mn-cs"/>
-              </a:rPr>
-              <a:t>의 약자이다</a:t>
-            </a:r>
-            <a:r>
-              <a:rPr lang="en-US" altLang="ko-KR" sz="1200" b="0" i="0" kern="1200" dirty="0">
-                <a:solidFill>
-                  <a:schemeClr val="tx1"/>
-                </a:solidFill>
-                <a:effectLst/>
-                <a:latin typeface="+mn-lt"/>
-                <a:ea typeface="+mn-ea"/>
-                <a:cs typeface="+mn-cs"/>
-              </a:rPr>
-              <a:t>.</a:t>
-            </a:r>
-          </a:p>
-          <a:p>
-            <a:r>
-              <a:rPr lang="en-US" altLang="ko-KR" sz="1200" b="0" i="0" kern="1200" dirty="0" err="1">
-                <a:solidFill>
-                  <a:schemeClr val="tx1"/>
-                </a:solidFill>
-                <a:effectLst/>
-                <a:latin typeface="+mn-lt"/>
-                <a:ea typeface="+mn-ea"/>
-                <a:cs typeface="+mn-cs"/>
-              </a:rPr>
-              <a:t>Jvm</a:t>
-            </a:r>
-            <a:r>
-              <a:rPr lang="ko-KR" altLang="en-US" sz="1200" b="0" i="0" kern="1200" dirty="0">
-                <a:solidFill>
-                  <a:schemeClr val="tx1"/>
-                </a:solidFill>
-                <a:effectLst/>
-                <a:latin typeface="+mn-lt"/>
-                <a:ea typeface="+mn-ea"/>
-                <a:cs typeface="+mn-cs"/>
-              </a:rPr>
-              <a:t>안의 실행엔진이 자바 바이너리 파일</a:t>
-            </a:r>
-            <a:r>
-              <a:rPr lang="en-US" altLang="ko-KR" sz="1200" b="0" i="0" kern="1200" dirty="0">
-                <a:solidFill>
-                  <a:schemeClr val="tx1"/>
-                </a:solidFill>
-                <a:effectLst/>
-                <a:latin typeface="+mn-lt"/>
-                <a:ea typeface="+mn-ea"/>
-                <a:cs typeface="+mn-cs"/>
-              </a:rPr>
-              <a:t>(.class)</a:t>
-            </a:r>
-            <a:r>
-              <a:rPr lang="ko-KR" altLang="en-US" sz="1200" b="0" i="0" kern="1200" dirty="0">
-                <a:solidFill>
-                  <a:schemeClr val="tx1"/>
-                </a:solidFill>
-                <a:effectLst/>
-                <a:latin typeface="+mn-lt"/>
-                <a:ea typeface="+mn-ea"/>
-                <a:cs typeface="+mn-cs"/>
-              </a:rPr>
-              <a:t>을 실행할 수 있다</a:t>
-            </a:r>
-            <a:r>
-              <a:rPr lang="en-US" altLang="ko-KR" sz="1200" b="0" i="0" kern="1200" dirty="0">
-                <a:solidFill>
-                  <a:schemeClr val="tx1"/>
-                </a:solidFill>
-                <a:effectLst/>
-                <a:latin typeface="+mn-lt"/>
-                <a:ea typeface="+mn-ea"/>
-                <a:cs typeface="+mn-cs"/>
-              </a:rPr>
-              <a:t>.</a:t>
-            </a:r>
             <a:endParaRPr lang="ko-KR" altLang="en-US" dirty="0"/>
           </a:p>
         </p:txBody>
@@ -724,100 +607,7 @@
           <a:bodyPr/>
           <a:lstStyle/>
           <a:p>
-            <a:r>
-              <a:rPr lang="en-US" altLang="ko-KR" dirty="0"/>
-              <a:t>System </a:t>
-            </a:r>
-            <a:r>
-              <a:rPr lang="ko-KR" altLang="en-US" dirty="0"/>
-              <a:t>클래스의 멤버변수 </a:t>
-            </a:r>
-            <a:r>
-              <a:rPr lang="en-US" altLang="ko-KR" dirty="0"/>
-              <a:t>out</a:t>
-            </a:r>
-          </a:p>
-          <a:p>
-            <a:r>
-              <a:rPr lang="en-US" altLang="ko-KR" dirty="0"/>
-              <a:t>	</a:t>
-            </a:r>
-            <a:r>
-              <a:rPr lang="en-US" altLang="ko-KR" dirty="0" err="1"/>
-              <a:t>PrintStream</a:t>
-            </a:r>
-            <a:r>
-              <a:rPr lang="ko-KR" altLang="en-US" dirty="0"/>
-              <a:t>형의 변수</a:t>
-            </a:r>
-            <a:endParaRPr lang="en-US" altLang="ko-KR" dirty="0"/>
-          </a:p>
-          <a:p>
-            <a:r>
-              <a:rPr lang="en-US" altLang="ko-KR" dirty="0"/>
-              <a:t>	</a:t>
-            </a:r>
-            <a:r>
-              <a:rPr lang="en-US" altLang="ko-KR" dirty="0" err="1"/>
-              <a:t>PrintStream</a:t>
-            </a:r>
-            <a:r>
-              <a:rPr lang="ko-KR" altLang="en-US" dirty="0"/>
-              <a:t>클래스의 메소드인 </a:t>
-            </a:r>
-            <a:r>
-              <a:rPr lang="en-US" altLang="ko-KR" dirty="0"/>
-              <a:t>print</a:t>
-            </a:r>
-            <a:r>
-              <a:rPr lang="ko-KR" altLang="en-US" dirty="0"/>
-              <a:t>메소드</a:t>
-            </a:r>
-            <a:endParaRPr lang="en-US" altLang="ko-KR" dirty="0"/>
-          </a:p>
-          <a:p>
-            <a:r>
-              <a:rPr lang="en-US" altLang="ko-KR" dirty="0" err="1"/>
-              <a:t>System.out.print</a:t>
-            </a:r>
-            <a:r>
-              <a:rPr lang="en-US" altLang="ko-KR" dirty="0"/>
-              <a:t>(“hello world”);</a:t>
-            </a:r>
-          </a:p>
-          <a:p>
-            <a:r>
-              <a:rPr lang="en-US" altLang="ko-KR" dirty="0"/>
-              <a:t>	</a:t>
-            </a:r>
-            <a:r>
-              <a:rPr lang="ko-KR" altLang="en-US" dirty="0"/>
-              <a:t>는 </a:t>
-            </a:r>
-            <a:r>
-              <a:rPr lang="en-US" altLang="ko-KR" dirty="0"/>
-              <a:t>System</a:t>
-            </a:r>
-            <a:r>
-              <a:rPr lang="ko-KR" altLang="en-US" dirty="0"/>
-              <a:t>클래스의 </a:t>
-            </a:r>
-            <a:r>
-              <a:rPr lang="en-US" altLang="ko-KR" dirty="0"/>
-              <a:t>static final</a:t>
-            </a:r>
-            <a:r>
-              <a:rPr lang="ko-KR" altLang="en-US" dirty="0"/>
-              <a:t>변수인 </a:t>
-            </a:r>
-            <a:r>
-              <a:rPr lang="en-US" altLang="ko-KR" dirty="0"/>
-              <a:t>out</a:t>
-            </a:r>
-            <a:r>
-              <a:rPr lang="ko-KR" altLang="en-US" dirty="0"/>
-              <a:t>의 메소드를 이용함</a:t>
-            </a:r>
+            <a:endParaRPr lang="ko-KR" altLang="en-US" dirty="0"/>
           </a:p>
         </p:txBody>
       </p:sp>
@@ -838,7 +628,91 @@
           <a:p>
             <a:fld id="{40D392B4-1FFB-4499-B4B6-0430BCC3333E}" type="slidenum">
               <a:rPr lang="ko-KR" altLang="en-US" smtClean="0"/>
-              <a:t>15</a:t>
+              <a:t>12</a:t>
+            </a:fld>
+            <a:endParaRPr lang="ko-KR" altLang="en-US"/>
+          </a:p>
+        </p:txBody>
+      </p:sp>
+    </p:spTree>
+    <p:extLst>
+      <p:ext uri="{BB962C8B-B14F-4D97-AF65-F5344CB8AC3E}">
+        <p14:creationId xmlns:p14="http://schemas.microsoft.com/office/powerpoint/2010/main" val="365079160"/>
+      </p:ext>
+    </p:extLst>
+  </p:cSld>
+  <p:clrMapOvr>
+    <a:masterClrMapping/>
+  </p:clrMapOvr>
+</p:notes>
+</file>
+
+<file path=ppt/notesSlides/notesSlide3.xml><?xml version="1.0" encoding="utf-8"?>
+<p:notes xmlns:a="http://schemas.openxmlformats.org/drawingml/2006/main" xmlns:r="http://schemas.openxmlformats.org/officeDocument/2006/relationships" xmlns:p="http://schemas.openxmlformats.org/presentationml/2006/main">
+  <p:cSld>
+    <p:spTree>
+      <p:nvGrpSpPr>
+        <p:cNvPr id="1" name=""/>
+        <p:cNvGrpSpPr/>
+        <p:nvPr/>
+      </p:nvGrpSpPr>
+      <p:grpSpPr>
+        <a:xfrm>
+          <a:off x="0" y="0"/>
+          <a:ext cx="0" cy="0"/>
+          <a:chOff x="0" y="0"/>
+          <a:chExt cx="0" cy="0"/>
+        </a:xfrm>
+      </p:grpSpPr>
+      <p:sp>
+        <p:nvSpPr>
+          <p:cNvPr id="2" name="슬라이드 이미지 개체 틀 1"/>
+          <p:cNvSpPr>
+            <a:spLocks noGrp="1" noRot="1" noChangeAspect="1"/>
+          </p:cNvSpPr>
+          <p:nvPr>
+            <p:ph type="sldImg"/>
+          </p:nvPr>
+        </p:nvSpPr>
+        <p:spPr/>
+      </p:sp>
+      <p:sp>
+        <p:nvSpPr>
+          <p:cNvPr id="3" name="슬라이드 노트 개체 틀 2"/>
+          <p:cNvSpPr>
+            <a:spLocks noGrp="1"/>
+          </p:cNvSpPr>
+          <p:nvPr>
+            <p:ph type="body" idx="1"/>
+          </p:nvPr>
+        </p:nvSpPr>
+        <p:spPr/>
+        <p:txBody>
+          <a:bodyPr/>
+          <a:lstStyle/>
+          <a:p>
+            <a:endParaRPr lang="ko-KR" altLang="en-US" dirty="0"/>
+          </a:p>
+        </p:txBody>
+      </p:sp>
+      <p:sp>
+        <p:nvSpPr>
+          <p:cNvPr id="4" name="슬라이드 번호 개체 틀 3"/>
+          <p:cNvSpPr>
+            <a:spLocks noGrp="1"/>
+          </p:cNvSpPr>
+          <p:nvPr>
+            <p:ph type="sldNum" sz="quarter" idx="5"/>
+          </p:nvPr>
+        </p:nvSpPr>
+        <p:spPr/>
+        <p:txBody>
+          <a:bodyPr/>
+          <a:lstStyle/>
+          <a:p>
+            <a:fld id="{40D392B4-1FFB-4499-B4B6-0430BCC3333E}" type="slidenum">
+              <a:rPr lang="ko-KR" altLang="en-US" smtClean="0"/>
+              <a:t>16</a:t>
             </a:fld>
             <a:endParaRPr lang="ko-KR" altLang="en-US"/>
           </a:p>
@@ -1004,7 +878,7 @@
           <a:p>
             <a:fld id="{14A85F46-2FAC-4AE6-9449-31F107C65A9B}" type="datetimeFigureOut">
               <a:rPr lang="ko-KR" altLang="en-US" smtClean="0"/>
-              <a:t>2020-07-03</a:t>
+              <a:t>2020-07-04</a:t>
             </a:fld>
             <a:endParaRPr lang="ko-KR" altLang="en-US"/>
           </a:p>
@@ -1202,7 +1076,7 @@
           <a:p>
             <a:fld id="{14A85F46-2FAC-4AE6-9449-31F107C65A9B}" type="datetimeFigureOut">
               <a:rPr lang="ko-KR" altLang="en-US" smtClean="0"/>
-              <a:t>2020-07-03</a:t>
+              <a:t>2020-07-04</a:t>
             </a:fld>
             <a:endParaRPr lang="ko-KR" altLang="en-US"/>
           </a:p>
@@ -1410,7 +1284,7 @@
           <a:p>
             <a:fld id="{14A85F46-2FAC-4AE6-9449-31F107C65A9B}" type="datetimeFigureOut">
               <a:rPr lang="ko-KR" altLang="en-US" smtClean="0"/>
-              <a:t>2020-07-03</a:t>
+              <a:t>2020-07-04</a:t>
             </a:fld>
             <a:endParaRPr lang="ko-KR" altLang="en-US"/>
           </a:p>
@@ -1608,7 +1482,7 @@
           <a:p>
             <a:fld id="{14A85F46-2FAC-4AE6-9449-31F107C65A9B}" type="datetimeFigureOut">
               <a:rPr lang="ko-KR" altLang="en-US" smtClean="0"/>
-              <a:t>2020-07-03</a:t>
+              <a:t>2020-07-04</a:t>
             </a:fld>
             <a:endParaRPr lang="ko-KR" altLang="en-US"/>
           </a:p>
@@ -1883,7 +1757,7 @@
           <a:p>
             <a:fld id="{14A85F46-2FAC-4AE6-9449-31F107C65A9B}" type="datetimeFigureOut">
               <a:rPr lang="ko-KR" altLang="en-US" smtClean="0"/>
-              <a:t>2020-07-03</a:t>
+              <a:t>2020-07-04</a:t>
             </a:fld>
             <a:endParaRPr lang="ko-KR" altLang="en-US"/>
           </a:p>
@@ -2148,7 +2022,7 @@
           <a:p>
             <a:fld id="{14A85F46-2FAC-4AE6-9449-31F107C65A9B}" type="datetimeFigureOut">
               <a:rPr lang="ko-KR" altLang="en-US" smtClean="0"/>
-              <a:t>2020-07-03</a:t>
+              <a:t>2020-07-04</a:t>
             </a:fld>
             <a:endParaRPr lang="ko-KR" altLang="en-US"/>
           </a:p>
@@ -2560,7 +2434,7 @@
           <a:p>
             <a:fld id="{14A85F46-2FAC-4AE6-9449-31F107C65A9B}" type="datetimeFigureOut">
               <a:rPr lang="ko-KR" altLang="en-US" smtClean="0"/>
-              <a:t>2020-07-03</a:t>
+              <a:t>2020-07-04</a:t>
             </a:fld>
             <a:endParaRPr lang="ko-KR" altLang="en-US"/>
           </a:p>
@@ -2701,7 +2575,7 @@
           <a:p>
             <a:fld id="{14A85F46-2FAC-4AE6-9449-31F107C65A9B}" type="datetimeFigureOut">
               <a:rPr lang="ko-KR" altLang="en-US" smtClean="0"/>
-              <a:t>2020-07-03</a:t>
+              <a:t>2020-07-04</a:t>
             </a:fld>
             <a:endParaRPr lang="ko-KR" altLang="en-US"/>
           </a:p>
@@ -2814,7 +2688,7 @@
           <a:p>
             <a:fld id="{14A85F46-2FAC-4AE6-9449-31F107C65A9B}" type="datetimeFigureOut">
               <a:rPr lang="ko-KR" altLang="en-US" smtClean="0"/>
-              <a:t>2020-07-03</a:t>
+              <a:t>2020-07-04</a:t>
             </a:fld>
             <a:endParaRPr lang="ko-KR" altLang="en-US"/>
           </a:p>
@@ -3125,7 +2999,7 @@
           <a:p>
             <a:fld id="{14A85F46-2FAC-4AE6-9449-31F107C65A9B}" type="datetimeFigureOut">
               <a:rPr lang="ko-KR" altLang="en-US" smtClean="0"/>
-              <a:t>2020-07-03</a:t>
+              <a:t>2020-07-04</a:t>
             </a:fld>
             <a:endParaRPr lang="ko-KR" altLang="en-US"/>
           </a:p>
@@ -3413,7 +3287,7 @@
           <a:p>
             <a:fld id="{14A85F46-2FAC-4AE6-9449-31F107C65A9B}" type="datetimeFigureOut">
               <a:rPr lang="ko-KR" altLang="en-US" smtClean="0"/>
-              <a:t>2020-07-03</a:t>
+              <a:t>2020-07-04</a:t>
             </a:fld>
             <a:endParaRPr lang="ko-KR" altLang="en-US"/>
           </a:p>
@@ -3654,7 +3528,7 @@
           <a:p>
             <a:fld id="{14A85F46-2FAC-4AE6-9449-31F107C65A9B}" type="datetimeFigureOut">
               <a:rPr lang="ko-KR" altLang="en-US" smtClean="0"/>
-              <a:t>2020-07-03</a:t>
+              <a:t>2020-07-04</a:t>
             </a:fld>
             <a:endParaRPr lang="ko-KR" altLang="en-US"/>
           </a:p>
@@ -4732,6 +4606,108 @@
           <a:chExt cx="0" cy="0"/>
         </a:xfrm>
       </p:grpSpPr>
+      <p:sp>
+        <p:nvSpPr>
+          <p:cNvPr id="2" name="TextBox 1">
+            <a:extLst>
+              <a:ext uri="{FF2B5EF4-FFF2-40B4-BE49-F238E27FC236}">
+                <a16:creationId xmlns:a16="http://schemas.microsoft.com/office/drawing/2014/main" id="{1F03D9BA-9253-4CE9-AE64-A4A117380A44}"/>
+              </a:ext>
+            </a:extLst>
+          </p:cNvPr>
+          <p:cNvSpPr txBox="1"/>
+          <p:nvPr/>
+        </p:nvSpPr>
+        <p:spPr>
+          <a:xfrm>
+            <a:off x="2275113" y="2408643"/>
+            <a:ext cx="2366353" cy="1200329"/>
+          </a:xfrm>
+          <a:prstGeom prst="rect">
+            <a:avLst/>
+          </a:prstGeom>
+          <a:noFill/>
+        </p:spPr>
+        <p:txBody>
+          <a:bodyPr wrap="none" rtlCol="0">
+            <a:spAutoFit/>
+          </a:bodyPr>
+          <a:lstStyle/>
+          <a:p>
+            <a:r>
+              <a:rPr lang="en-US" altLang="ko-KR" sz="7200" dirty="0"/>
+              <a:t>static</a:t>
+            </a:r>
+            <a:endParaRPr lang="ko-KR" altLang="en-US" sz="7200" dirty="0"/>
+          </a:p>
+        </p:txBody>
+      </p:sp>
+      <p:sp>
+        <p:nvSpPr>
+          <p:cNvPr id="3" name="TextBox 2">
+            <a:extLst>
+              <a:ext uri="{FF2B5EF4-FFF2-40B4-BE49-F238E27FC236}">
+                <a16:creationId xmlns:a16="http://schemas.microsoft.com/office/drawing/2014/main" id="{1E7A4501-298D-4AD6-8D08-F56B1FB37607}"/>
+              </a:ext>
+            </a:extLst>
+          </p:cNvPr>
+          <p:cNvSpPr txBox="1"/>
+          <p:nvPr/>
+        </p:nvSpPr>
+        <p:spPr>
+          <a:xfrm>
+            <a:off x="7550535" y="2408643"/>
+            <a:ext cx="1946367" cy="1200329"/>
+          </a:xfrm>
+          <a:prstGeom prst="rect">
+            <a:avLst/>
+          </a:prstGeom>
+          <a:noFill/>
+        </p:spPr>
+        <p:txBody>
+          <a:bodyPr wrap="none" rtlCol="0">
+            <a:spAutoFit/>
+          </a:bodyPr>
+          <a:lstStyle/>
+          <a:p>
+            <a:r>
+              <a:rPr lang="en-US" altLang="ko-KR" sz="7200" dirty="0"/>
+              <a:t>final</a:t>
+            </a:r>
+            <a:endParaRPr lang="ko-KR" altLang="en-US" sz="7200" dirty="0"/>
+          </a:p>
+        </p:txBody>
+      </p:sp>
+    </p:spTree>
+    <p:extLst>
+      <p:ext uri="{BB962C8B-B14F-4D97-AF65-F5344CB8AC3E}">
+        <p14:creationId xmlns:p14="http://schemas.microsoft.com/office/powerpoint/2010/main" val="1117484795"/>
+      </p:ext>
+    </p:extLst>
+  </p:cSld>
+  <p:clrMapOvr>
+    <a:masterClrMapping/>
+  </p:clrMapOvr>
+</p:sld>
+</file>
+
+<file path=ppt/slides/slide13.xml><?xml version="1.0" encoding="utf-8"?>
+<p:sld xmlns:a="http://schemas.openxmlformats.org/drawingml/2006/main" xmlns:r="http://schemas.openxmlformats.org/officeDocument/2006/relationships" xmlns:p="http://schemas.openxmlformats.org/presentationml/2006/main">
+  <p:cSld>
+    <p:spTree>
+      <p:nvGrpSpPr>
+        <p:cNvPr id="1" name=""/>
+        <p:cNvGrpSpPr/>
+        <p:nvPr/>
+      </p:nvGrpSpPr>
+      <p:grpSpPr>
+        <a:xfrm>
+          <a:off x="0" y="0"/>
+          <a:ext cx="0" cy="0"/>
+          <a:chOff x="0" y="0"/>
+          <a:chExt cx="0" cy="0"/>
+        </a:xfrm>
+      </p:grpSpPr>
       <p:grpSp>
         <p:nvGrpSpPr>
           <p:cNvPr id="7" name="그룹 6">
@@ -4943,7 +4919,7 @@
 </p:sld>
 </file>
 
-<file path=ppt/slides/slide13.xml><?xml version="1.0" encoding="utf-8"?>
+<file path=ppt/slides/slide14.xml><?xml version="1.0" encoding="utf-8"?>
 <p:sld xmlns:a="http://schemas.openxmlformats.org/drawingml/2006/main" xmlns:r="http://schemas.openxmlformats.org/officeDocument/2006/relationships" xmlns:p="http://schemas.openxmlformats.org/presentationml/2006/main">
   <p:cSld>
     <p:bg>
@@ -5179,7 +5155,7 @@
 </p:sld>
 </file>
 
-<file path=ppt/slides/slide14.xml><?xml version="1.0" encoding="utf-8"?>
+<file path=ppt/slides/slide15.xml><?xml version="1.0" encoding="utf-8"?>
 <p:sld xmlns:a="http://schemas.openxmlformats.org/drawingml/2006/main" xmlns:r="http://schemas.openxmlformats.org/officeDocument/2006/relationships" xmlns:p="http://schemas.openxmlformats.org/presentationml/2006/main">
   <p:cSld>
     <p:spTree>
@@ -5458,7 +5434,7 @@
 </p:sld>
 </file>
 
-<file path=ppt/slides/slide15.xml><?xml version="1.0" encoding="utf-8"?>
+<file path=ppt/slides/slide16.xml><?xml version="1.0" encoding="utf-8"?>
 <p:sld xmlns:a="http://schemas.openxmlformats.org/drawingml/2006/main" xmlns:r="http://schemas.openxmlformats.org/officeDocument/2006/relationships" xmlns:p="http://schemas.openxmlformats.org/presentationml/2006/main">
   <p:cSld>
     <p:spTree>

--- a/javaTutoring/first/1st_material.pptx
+++ b/javaTutoring/first/1st_material.pptx
@@ -212,7 +212,7 @@
           <a:p>
             <a:fld id="{97FDC5E1-EC77-445D-B5E1-54D8DF5D94E6}" type="datetimeFigureOut">
               <a:rPr lang="ko-KR" altLang="en-US" smtClean="0"/>
-              <a:t>2020-07-04</a:t>
+              <a:t>2020-07-07</a:t>
             </a:fld>
             <a:endParaRPr lang="ko-KR" altLang="en-US"/>
           </a:p>
@@ -878,7 +878,7 @@
           <a:p>
             <a:fld id="{14A85F46-2FAC-4AE6-9449-31F107C65A9B}" type="datetimeFigureOut">
               <a:rPr lang="ko-KR" altLang="en-US" smtClean="0"/>
-              <a:t>2020-07-04</a:t>
+              <a:t>2020-07-07</a:t>
             </a:fld>
             <a:endParaRPr lang="ko-KR" altLang="en-US"/>
           </a:p>
@@ -1076,7 +1076,7 @@
           <a:p>
             <a:fld id="{14A85F46-2FAC-4AE6-9449-31F107C65A9B}" type="datetimeFigureOut">
               <a:rPr lang="ko-KR" altLang="en-US" smtClean="0"/>
-              <a:t>2020-07-04</a:t>
+              <a:t>2020-07-07</a:t>
             </a:fld>
             <a:endParaRPr lang="ko-KR" altLang="en-US"/>
           </a:p>
@@ -1284,7 +1284,7 @@
           <a:p>
             <a:fld id="{14A85F46-2FAC-4AE6-9449-31F107C65A9B}" type="datetimeFigureOut">
               <a:rPr lang="ko-KR" altLang="en-US" smtClean="0"/>
-              <a:t>2020-07-04</a:t>
+              <a:t>2020-07-07</a:t>
             </a:fld>
             <a:endParaRPr lang="ko-KR" altLang="en-US"/>
           </a:p>
@@ -1482,7 +1482,7 @@
           <a:p>
             <a:fld id="{14A85F46-2FAC-4AE6-9449-31F107C65A9B}" type="datetimeFigureOut">
               <a:rPr lang="ko-KR" altLang="en-US" smtClean="0"/>
-              <a:t>2020-07-04</a:t>
+              <a:t>2020-07-07</a:t>
             </a:fld>
             <a:endParaRPr lang="ko-KR" altLang="en-US"/>
           </a:p>
@@ -1757,7 +1757,7 @@
           <a:p>
             <a:fld id="{14A85F46-2FAC-4AE6-9449-31F107C65A9B}" type="datetimeFigureOut">
               <a:rPr lang="ko-KR" altLang="en-US" smtClean="0"/>
-              <a:t>2020-07-04</a:t>
+              <a:t>2020-07-07</a:t>
             </a:fld>
             <a:endParaRPr lang="ko-KR" altLang="en-US"/>
           </a:p>
@@ -2022,7 +2022,7 @@
           <a:p>
             <a:fld id="{14A85F46-2FAC-4AE6-9449-31F107C65A9B}" type="datetimeFigureOut">
               <a:rPr lang="ko-KR" altLang="en-US" smtClean="0"/>
-              <a:t>2020-07-04</a:t>
+              <a:t>2020-07-07</a:t>
             </a:fld>
             <a:endParaRPr lang="ko-KR" altLang="en-US"/>
           </a:p>
@@ -2434,7 +2434,7 @@
           <a:p>
             <a:fld id="{14A85F46-2FAC-4AE6-9449-31F107C65A9B}" type="datetimeFigureOut">
               <a:rPr lang="ko-KR" altLang="en-US" smtClean="0"/>
-              <a:t>2020-07-04</a:t>
+              <a:t>2020-07-07</a:t>
             </a:fld>
             <a:endParaRPr lang="ko-KR" altLang="en-US"/>
           </a:p>
@@ -2575,7 +2575,7 @@
           <a:p>
             <a:fld id="{14A85F46-2FAC-4AE6-9449-31F107C65A9B}" type="datetimeFigureOut">
               <a:rPr lang="ko-KR" altLang="en-US" smtClean="0"/>
-              <a:t>2020-07-04</a:t>
+              <a:t>2020-07-07</a:t>
             </a:fld>
             <a:endParaRPr lang="ko-KR" altLang="en-US"/>
           </a:p>
@@ -2688,7 +2688,7 @@
           <a:p>
             <a:fld id="{14A85F46-2FAC-4AE6-9449-31F107C65A9B}" type="datetimeFigureOut">
               <a:rPr lang="ko-KR" altLang="en-US" smtClean="0"/>
-              <a:t>2020-07-04</a:t>
+              <a:t>2020-07-07</a:t>
             </a:fld>
             <a:endParaRPr lang="ko-KR" altLang="en-US"/>
           </a:p>
@@ -2999,7 +2999,7 @@
           <a:p>
             <a:fld id="{14A85F46-2FAC-4AE6-9449-31F107C65A9B}" type="datetimeFigureOut">
               <a:rPr lang="ko-KR" altLang="en-US" smtClean="0"/>
-              <a:t>2020-07-04</a:t>
+              <a:t>2020-07-07</a:t>
             </a:fld>
             <a:endParaRPr lang="ko-KR" altLang="en-US"/>
           </a:p>
@@ -3287,7 +3287,7 @@
           <a:p>
             <a:fld id="{14A85F46-2FAC-4AE6-9449-31F107C65A9B}" type="datetimeFigureOut">
               <a:rPr lang="ko-KR" altLang="en-US" smtClean="0"/>
-              <a:t>2020-07-04</a:t>
+              <a:t>2020-07-07</a:t>
             </a:fld>
             <a:endParaRPr lang="ko-KR" altLang="en-US"/>
           </a:p>
@@ -3528,7 +3528,7 @@
           <a:p>
             <a:fld id="{14A85F46-2FAC-4AE6-9449-31F107C65A9B}" type="datetimeFigureOut">
               <a:rPr lang="ko-KR" altLang="en-US" smtClean="0"/>
-              <a:t>2020-07-04</a:t>
+              <a:t>2020-07-07</a:t>
             </a:fld>
             <a:endParaRPr lang="ko-KR" altLang="en-US"/>
           </a:p>
@@ -5526,7 +5526,7 @@
         <p:grpSpPr>
           <a:xfrm>
             <a:off x="906144" y="645507"/>
-            <a:ext cx="7028180" cy="2880995"/>
+            <a:ext cx="6790324" cy="2783493"/>
             <a:chOff x="915670" y="757554"/>
             <a:chExt cx="7028180" cy="2880995"/>
           </a:xfrm>
@@ -5690,6 +5690,105 @@
             </a:prstGeom>
             <a:noFill/>
             <a:ln w="57150"/>
+          </p:spPr>
+          <p:style>
+            <a:lnRef idx="2">
+              <a:schemeClr val="accent1">
+                <a:shade val="50000"/>
+              </a:schemeClr>
+            </a:lnRef>
+            <a:fillRef idx="1">
+              <a:schemeClr val="accent1"/>
+            </a:fillRef>
+            <a:effectRef idx="0">
+              <a:schemeClr val="accent1"/>
+            </a:effectRef>
+            <a:fontRef idx="minor">
+              <a:schemeClr val="lt1"/>
+            </a:fontRef>
+          </p:style>
+          <p:txBody>
+            <a:bodyPr rtlCol="0" anchor="ctr"/>
+            <a:lstStyle/>
+            <a:p>
+              <a:pPr algn="ctr"/>
+              <a:endParaRPr lang="ko-KR" altLang="en-US"/>
+            </a:p>
+          </p:txBody>
+        </p:sp>
+      </p:grpSp>
+      <p:grpSp>
+        <p:nvGrpSpPr>
+          <p:cNvPr id="10" name="그룹 9">
+            <a:extLst>
+              <a:ext uri="{FF2B5EF4-FFF2-40B4-BE49-F238E27FC236}">
+                <a16:creationId xmlns:a16="http://schemas.microsoft.com/office/drawing/2014/main" id="{B801EC99-A8E4-4DCA-BFBD-4AC71342220D}"/>
+              </a:ext>
+            </a:extLst>
+          </p:cNvPr>
+          <p:cNvGrpSpPr/>
+          <p:nvPr/>
+        </p:nvGrpSpPr>
+        <p:grpSpPr>
+          <a:xfrm>
+            <a:off x="7888350" y="811658"/>
+            <a:ext cx="4091317" cy="2465798"/>
+            <a:chOff x="7888350" y="811658"/>
+            <a:chExt cx="4091317" cy="2465798"/>
+          </a:xfrm>
+        </p:grpSpPr>
+        <p:pic>
+          <p:nvPicPr>
+            <p:cNvPr id="2" name="그림 1">
+              <a:extLst>
+                <a:ext uri="{FF2B5EF4-FFF2-40B4-BE49-F238E27FC236}">
+                  <a16:creationId xmlns:a16="http://schemas.microsoft.com/office/drawing/2014/main" id="{F25BA76C-FDDA-48BC-B2FA-9B83613D144D}"/>
+                </a:ext>
+              </a:extLst>
+            </p:cNvPr>
+            <p:cNvPicPr>
+              <a:picLocks noChangeAspect="1"/>
+            </p:cNvPicPr>
+            <p:nvPr/>
+          </p:nvPicPr>
+          <p:blipFill>
+            <a:blip r:embed="rId4"/>
+            <a:stretch>
+              <a:fillRect/>
+            </a:stretch>
+          </p:blipFill>
+          <p:spPr>
+            <a:xfrm>
+              <a:off x="7888350" y="819051"/>
+              <a:ext cx="4056284" cy="2436403"/>
+            </a:xfrm>
+            <a:prstGeom prst="rect">
+              <a:avLst/>
+            </a:prstGeom>
+          </p:spPr>
+        </p:pic>
+        <p:sp>
+          <p:nvSpPr>
+            <p:cNvPr id="3" name="직사각형 2">
+              <a:extLst>
+                <a:ext uri="{FF2B5EF4-FFF2-40B4-BE49-F238E27FC236}">
+                  <a16:creationId xmlns:a16="http://schemas.microsoft.com/office/drawing/2014/main" id="{B4599A86-2F26-483A-AFE2-BA43B348EC1D}"/>
+                </a:ext>
+              </a:extLst>
+            </p:cNvPr>
+            <p:cNvSpPr/>
+            <p:nvPr/>
+          </p:nvSpPr>
+          <p:spPr>
+            <a:xfrm>
+              <a:off x="7890553" y="811658"/>
+              <a:ext cx="4089114" cy="2465798"/>
+            </a:xfrm>
+            <a:prstGeom prst="rect">
+              <a:avLst/>
+            </a:prstGeom>
+            <a:noFill/>
+            <a:ln w="76200"/>
           </p:spPr>
           <p:style>
             <a:lnRef idx="2">

--- a/javaTutoring/first/1st_material.pptx
+++ b/javaTutoring/first/1st_material.pptx
@@ -212,7 +212,7 @@
           <a:p>
             <a:fld id="{97FDC5E1-EC77-445D-B5E1-54D8DF5D94E6}" type="datetimeFigureOut">
               <a:rPr lang="ko-KR" altLang="en-US" smtClean="0"/>
-              <a:t>2020-07-07</a:t>
+              <a:t>2020-07-08</a:t>
             </a:fld>
             <a:endParaRPr lang="ko-KR" altLang="en-US"/>
           </a:p>
@@ -878,7 +878,7 @@
           <a:p>
             <a:fld id="{14A85F46-2FAC-4AE6-9449-31F107C65A9B}" type="datetimeFigureOut">
               <a:rPr lang="ko-KR" altLang="en-US" smtClean="0"/>
-              <a:t>2020-07-07</a:t>
+              <a:t>2020-07-08</a:t>
             </a:fld>
             <a:endParaRPr lang="ko-KR" altLang="en-US"/>
           </a:p>
@@ -1076,7 +1076,7 @@
           <a:p>
             <a:fld id="{14A85F46-2FAC-4AE6-9449-31F107C65A9B}" type="datetimeFigureOut">
               <a:rPr lang="ko-KR" altLang="en-US" smtClean="0"/>
-              <a:t>2020-07-07</a:t>
+              <a:t>2020-07-08</a:t>
             </a:fld>
             <a:endParaRPr lang="ko-KR" altLang="en-US"/>
           </a:p>
@@ -1284,7 +1284,7 @@
           <a:p>
             <a:fld id="{14A85F46-2FAC-4AE6-9449-31F107C65A9B}" type="datetimeFigureOut">
               <a:rPr lang="ko-KR" altLang="en-US" smtClean="0"/>
-              <a:t>2020-07-07</a:t>
+              <a:t>2020-07-08</a:t>
             </a:fld>
             <a:endParaRPr lang="ko-KR" altLang="en-US"/>
           </a:p>
@@ -1482,7 +1482,7 @@
           <a:p>
             <a:fld id="{14A85F46-2FAC-4AE6-9449-31F107C65A9B}" type="datetimeFigureOut">
               <a:rPr lang="ko-KR" altLang="en-US" smtClean="0"/>
-              <a:t>2020-07-07</a:t>
+              <a:t>2020-07-08</a:t>
             </a:fld>
             <a:endParaRPr lang="ko-KR" altLang="en-US"/>
           </a:p>
@@ -1757,7 +1757,7 @@
           <a:p>
             <a:fld id="{14A85F46-2FAC-4AE6-9449-31F107C65A9B}" type="datetimeFigureOut">
               <a:rPr lang="ko-KR" altLang="en-US" smtClean="0"/>
-              <a:t>2020-07-07</a:t>
+              <a:t>2020-07-08</a:t>
             </a:fld>
             <a:endParaRPr lang="ko-KR" altLang="en-US"/>
           </a:p>
@@ -2022,7 +2022,7 @@
           <a:p>
             <a:fld id="{14A85F46-2FAC-4AE6-9449-31F107C65A9B}" type="datetimeFigureOut">
               <a:rPr lang="ko-KR" altLang="en-US" smtClean="0"/>
-              <a:t>2020-07-07</a:t>
+              <a:t>2020-07-08</a:t>
             </a:fld>
             <a:endParaRPr lang="ko-KR" altLang="en-US"/>
           </a:p>
@@ -2434,7 +2434,7 @@
           <a:p>
             <a:fld id="{14A85F46-2FAC-4AE6-9449-31F107C65A9B}" type="datetimeFigureOut">
               <a:rPr lang="ko-KR" altLang="en-US" smtClean="0"/>
-              <a:t>2020-07-07</a:t>
+              <a:t>2020-07-08</a:t>
             </a:fld>
             <a:endParaRPr lang="ko-KR" altLang="en-US"/>
           </a:p>
@@ -2575,7 +2575,7 @@
           <a:p>
             <a:fld id="{14A85F46-2FAC-4AE6-9449-31F107C65A9B}" type="datetimeFigureOut">
               <a:rPr lang="ko-KR" altLang="en-US" smtClean="0"/>
-              <a:t>2020-07-07</a:t>
+              <a:t>2020-07-08</a:t>
             </a:fld>
             <a:endParaRPr lang="ko-KR" altLang="en-US"/>
           </a:p>
@@ -2688,7 +2688,7 @@
           <a:p>
             <a:fld id="{14A85F46-2FAC-4AE6-9449-31F107C65A9B}" type="datetimeFigureOut">
               <a:rPr lang="ko-KR" altLang="en-US" smtClean="0"/>
-              <a:t>2020-07-07</a:t>
+              <a:t>2020-07-08</a:t>
             </a:fld>
             <a:endParaRPr lang="ko-KR" altLang="en-US"/>
           </a:p>
@@ -2999,7 +2999,7 @@
           <a:p>
             <a:fld id="{14A85F46-2FAC-4AE6-9449-31F107C65A9B}" type="datetimeFigureOut">
               <a:rPr lang="ko-KR" altLang="en-US" smtClean="0"/>
-              <a:t>2020-07-07</a:t>
+              <a:t>2020-07-08</a:t>
             </a:fld>
             <a:endParaRPr lang="ko-KR" altLang="en-US"/>
           </a:p>
@@ -3287,7 +3287,7 @@
           <a:p>
             <a:fld id="{14A85F46-2FAC-4AE6-9449-31F107C65A9B}" type="datetimeFigureOut">
               <a:rPr lang="ko-KR" altLang="en-US" smtClean="0"/>
-              <a:t>2020-07-07</a:t>
+              <a:t>2020-07-08</a:t>
             </a:fld>
             <a:endParaRPr lang="ko-KR" altLang="en-US"/>
           </a:p>
@@ -3528,7 +3528,7 @@
           <a:p>
             <a:fld id="{14A85F46-2FAC-4AE6-9449-31F107C65A9B}" type="datetimeFigureOut">
               <a:rPr lang="ko-KR" altLang="en-US" smtClean="0"/>
-              <a:t>2020-07-07</a:t>
+              <a:t>2020-07-08</a:t>
             </a:fld>
             <a:endParaRPr lang="ko-KR" altLang="en-US"/>
           </a:p>
@@ -4657,7 +4657,7 @@
         <p:spPr>
           <a:xfrm>
             <a:off x="7550535" y="2408643"/>
-            <a:ext cx="1946367" cy="1200329"/>
+            <a:ext cx="2892876" cy="3416320"/>
           </a:xfrm>
           <a:prstGeom prst="rect">
             <a:avLst/>
@@ -4665,14 +4665,23 @@
           <a:noFill/>
         </p:spPr>
         <p:txBody>
-          <a:bodyPr wrap="none" rtlCol="0">
+          <a:bodyPr wrap="square" rtlCol="0">
             <a:spAutoFit/>
           </a:bodyPr>
           <a:lstStyle/>
           <a:p>
             <a:r>
               <a:rPr lang="en-US" altLang="ko-KR" sz="7200" dirty="0"/>
-              <a:t>final</a:t>
+              <a:t>Final</a:t>
+            </a:r>
+          </a:p>
+          <a:p>
+            <a:endParaRPr lang="en-US" altLang="ko-KR" sz="7200" dirty="0"/>
+          </a:p>
+          <a:p>
+            <a:r>
+              <a:rPr lang="en-US" altLang="ko-KR" sz="7200" dirty="0"/>
+              <a:t>const</a:t>
             </a:r>
             <a:endParaRPr lang="ko-KR" altLang="en-US" sz="7200" dirty="0"/>
           </a:p>
@@ -4722,7 +4731,7 @@
         </p:nvGrpSpPr>
         <p:grpSpPr>
           <a:xfrm>
-            <a:off x="452796" y="968158"/>
+            <a:off x="289167" y="1112700"/>
             <a:ext cx="6191577" cy="3843327"/>
             <a:chOff x="637855" y="1120559"/>
             <a:chExt cx="4826248" cy="2995820"/>
@@ -4821,7 +4830,7 @@
         </p:nvGrpSpPr>
         <p:grpSpPr>
           <a:xfrm>
-            <a:off x="6800273" y="2784249"/>
+            <a:off x="6783572" y="2389613"/>
             <a:ext cx="5263640" cy="1289502"/>
             <a:chOff x="6963559" y="2618469"/>
             <a:chExt cx="3308520" cy="810531"/>
@@ -8471,7 +8480,7 @@
           <a:lstStyle/>
           <a:p>
             <a:r>
-              <a:rPr lang="ko-KR" altLang="en-US" sz="2800"/>
+              <a:rPr lang="ko-KR" altLang="en-US" sz="2800" dirty="0"/>
               <a:t>실행 엔진</a:t>
             </a:r>
           </a:p>
@@ -8506,10 +8515,9 @@
           <a:lstStyle/>
           <a:p>
             <a:r>
-              <a:rPr lang="ko-KR" altLang="en-US" sz="2800"/>
+              <a:rPr lang="ko-KR" altLang="en-US" sz="2800" dirty="0"/>
               <a:t>메모리</a:t>
             </a:r>
-            <a:endParaRPr lang="ko-KR" altLang="en-US" sz="2800" dirty="0"/>
           </a:p>
         </p:txBody>
       </p:sp>
